--- a/Hive_Def_Guide_mar_2016/Hive_Def_guide_installation.pptx
+++ b/Hive_Def_Guide_mar_2016/Hive_Def_guide_installation.pptx
@@ -8,6 +8,12 @@
     <p:sldId id="256" r:id="rId2"/>
     <p:sldId id="257" r:id="rId3"/>
     <p:sldId id="258" r:id="rId4"/>
+    <p:sldId id="259" r:id="rId5"/>
+    <p:sldId id="260" r:id="rId6"/>
+    <p:sldId id="261" r:id="rId7"/>
+    <p:sldId id="262" r:id="rId8"/>
+    <p:sldId id="263" r:id="rId9"/>
+    <p:sldId id="264" r:id="rId10"/>
   </p:sldIdLst>
   <p:sldSz cx="12192000" cy="6858000"/>
   <p:notesSz cx="6858000" cy="9144000"/>
@@ -106,6 +112,11 @@
       </a:defRPr>
     </a:lvl9pPr>
   </p:defaultTextStyle>
+  <p:extLst>
+    <p:ext uri="{EFAFB233-063F-42B5-8137-9DF3F51BA10A}">
+      <p15:sldGuideLst xmlns:p15="http://schemas.microsoft.com/office/powerpoint/2012/main"/>
+    </p:ext>
+  </p:extLst>
 </p:presentation>
 </file>
 
@@ -3412,6 +3423,2025 @@
 </p:sld>
 </file>
 
+<file path=ppt/slides/slide4.xml><?xml version="1.0" encoding="utf-8"?>
+<p:sld xmlns:a="http://schemas.openxmlformats.org/drawingml/2006/main" xmlns:r="http://schemas.openxmlformats.org/officeDocument/2006/relationships" xmlns:p="http://schemas.openxmlformats.org/presentationml/2006/main">
+  <p:cSld>
+    <p:spTree>
+      <p:nvGrpSpPr>
+        <p:cNvPr id="1" name=""/>
+        <p:cNvGrpSpPr/>
+        <p:nvPr/>
+      </p:nvGrpSpPr>
+      <p:grpSpPr>
+        <a:xfrm>
+          <a:off x="0" y="0"/>
+          <a:ext cx="0" cy="0"/>
+          <a:chOff x="0" y="0"/>
+          <a:chExt cx="0" cy="0"/>
+        </a:xfrm>
+      </p:grpSpPr>
+      <p:sp>
+        <p:nvSpPr>
+          <p:cNvPr id="2" name="Title 1"/>
+          <p:cNvSpPr>
+            <a:spLocks noGrp="1"/>
+          </p:cNvSpPr>
+          <p:nvPr>
+            <p:ph type="title"/>
+          </p:nvPr>
+        </p:nvSpPr>
+        <p:spPr>
+          <a:xfrm>
+            <a:off x="0" y="1"/>
+            <a:ext cx="12192000" cy="791570"/>
+          </a:xfrm>
+        </p:spPr>
+        <p:txBody>
+          <a:bodyPr/>
+          <a:lstStyle/>
+          <a:p>
+            <a:endParaRPr lang="en-US" dirty="0"/>
+          </a:p>
+        </p:txBody>
+      </p:sp>
+      <p:sp>
+        <p:nvSpPr>
+          <p:cNvPr id="3" name="Content Placeholder 2"/>
+          <p:cNvSpPr>
+            <a:spLocks noGrp="1"/>
+          </p:cNvSpPr>
+          <p:nvPr>
+            <p:ph idx="1"/>
+          </p:nvPr>
+        </p:nvSpPr>
+        <p:spPr>
+          <a:xfrm>
+            <a:off x="457200" y="791570"/>
+            <a:ext cx="11734800" cy="6066430"/>
+          </a:xfrm>
+        </p:spPr>
+        <p:txBody>
+          <a:bodyPr>
+            <a:normAutofit/>
+          </a:bodyPr>
+          <a:lstStyle/>
+          <a:p>
+            <a:r>
+              <a:rPr lang="en-US" dirty="0"/>
+              <a:t>All Hive installations require a </a:t>
+            </a:r>
+            <a:r>
+              <a:rPr lang="en-US" i="1" dirty="0" err="1"/>
+              <a:t>metastore</a:t>
+            </a:r>
+            <a:r>
+              <a:rPr lang="en-US" i="1" dirty="0"/>
+              <a:t> </a:t>
+            </a:r>
+            <a:r>
+              <a:rPr lang="en-US" dirty="0" smtClean="0"/>
+              <a:t>service.</a:t>
+            </a:r>
+            <a:r>
+              <a:rPr lang="en-US" dirty="0"/>
+              <a:t> which Hive uses to store table </a:t>
+            </a:r>
+            <a:r>
+              <a:rPr lang="en-US" dirty="0" smtClean="0"/>
+              <a:t>schemas and </a:t>
+            </a:r>
+            <a:r>
+              <a:rPr lang="en-US" dirty="0"/>
+              <a:t>other </a:t>
+            </a:r>
+            <a:r>
+              <a:rPr lang="en-US" i="1" dirty="0"/>
+              <a:t>metadata</a:t>
+            </a:r>
+            <a:r>
+              <a:rPr lang="en-US" dirty="0" smtClean="0"/>
+              <a:t>.</a:t>
+            </a:r>
+          </a:p>
+          <a:p>
+            <a:r>
+              <a:rPr lang="en-US" dirty="0" smtClean="0"/>
+              <a:t>Metadata is </a:t>
+            </a:r>
+            <a:r>
+              <a:rPr lang="en-US" dirty="0" err="1" smtClean="0"/>
+              <a:t>is</a:t>
+            </a:r>
+            <a:r>
+              <a:rPr lang="en-US" dirty="0" smtClean="0"/>
+              <a:t> usually implemented </a:t>
+            </a:r>
+            <a:r>
+              <a:rPr lang="en-US" dirty="0"/>
+              <a:t>using tables in a relational database</a:t>
+            </a:r>
+            <a:r>
+              <a:rPr lang="en-US" dirty="0" smtClean="0"/>
+              <a:t>.</a:t>
+            </a:r>
+          </a:p>
+          <a:p>
+            <a:r>
+              <a:rPr lang="en-US" dirty="0"/>
+              <a:t>By default, Hive uses a built-in </a:t>
+            </a:r>
+            <a:r>
+              <a:rPr lang="en-US" i="1" dirty="0"/>
+              <a:t>Derby SQL </a:t>
+            </a:r>
+            <a:r>
+              <a:rPr lang="en-US" dirty="0"/>
+              <a:t>server, which provides limited, </a:t>
+            </a:r>
+            <a:r>
+              <a:rPr lang="en-US" dirty="0" smtClean="0"/>
+              <a:t>single process storage.</a:t>
+            </a:r>
+          </a:p>
+          <a:p>
+            <a:pPr lvl="1"/>
+            <a:r>
+              <a:rPr lang="en-US" dirty="0"/>
+              <a:t>For example, when using Derby, you can’t run two simultaneous </a:t>
+            </a:r>
+            <a:r>
+              <a:rPr lang="en-US" dirty="0" smtClean="0"/>
+              <a:t>instances of </a:t>
+            </a:r>
+            <a:r>
+              <a:rPr lang="en-US" dirty="0"/>
+              <a:t>the Hive CLI</a:t>
+            </a:r>
+            <a:r>
+              <a:rPr lang="en-US" dirty="0" smtClean="0"/>
+              <a:t>.</a:t>
+            </a:r>
+          </a:p>
+          <a:p>
+            <a:pPr lvl="1"/>
+            <a:r>
+              <a:rPr lang="en-US" dirty="0"/>
+              <a:t>However, this is fine for learning Hive on a personal </a:t>
+            </a:r>
+            <a:r>
+              <a:rPr lang="en-US" dirty="0" smtClean="0"/>
+              <a:t>machine </a:t>
+            </a:r>
+            <a:r>
+              <a:rPr lang="en-US" dirty="0"/>
+              <a:t>and some developer tasks</a:t>
+            </a:r>
+            <a:r>
+              <a:rPr lang="en-US" dirty="0" smtClean="0"/>
+              <a:t>.</a:t>
+            </a:r>
+          </a:p>
+          <a:p>
+            <a:pPr lvl="1"/>
+            <a:r>
+              <a:rPr lang="en-US" dirty="0"/>
+              <a:t>For clusters, MySQL or a similar relational database </a:t>
+            </a:r>
+            <a:r>
+              <a:rPr lang="en-US" dirty="0" smtClean="0"/>
+              <a:t>is required.</a:t>
+            </a:r>
+          </a:p>
+          <a:p>
+            <a:r>
+              <a:rPr lang="en-US" dirty="0" smtClean="0"/>
+              <a:t>A </a:t>
+            </a:r>
+            <a:r>
+              <a:rPr lang="en-US" dirty="0"/>
+              <a:t>simple web interface, called </a:t>
+            </a:r>
+            <a:r>
+              <a:rPr lang="en-US" i="1" dirty="0"/>
+              <a:t>Hive Web Interface </a:t>
+            </a:r>
+            <a:r>
+              <a:rPr lang="en-US" dirty="0"/>
+              <a:t>(HWI), provides </a:t>
+            </a:r>
+            <a:r>
+              <a:rPr lang="en-US" dirty="0" smtClean="0"/>
+              <a:t>remote access </a:t>
+            </a:r>
+            <a:r>
+              <a:rPr lang="en-US" dirty="0"/>
+              <a:t>to Hive</a:t>
+            </a:r>
+            <a:r>
+              <a:rPr lang="en-US" dirty="0" smtClean="0"/>
+              <a:t>.</a:t>
+            </a:r>
+          </a:p>
+          <a:p>
+            <a:endParaRPr lang="en-US" dirty="0"/>
+          </a:p>
+        </p:txBody>
+      </p:sp>
+    </p:spTree>
+    <p:extLst>
+      <p:ext uri="{BB962C8B-B14F-4D97-AF65-F5344CB8AC3E}">
+        <p14:creationId xmlns:p14="http://schemas.microsoft.com/office/powerpoint/2010/main" val="2898226159"/>
+      </p:ext>
+    </p:extLst>
+  </p:cSld>
+  <p:clrMapOvr>
+    <a:masterClrMapping/>
+  </p:clrMapOvr>
+  <p:timing>
+    <p:tnLst>
+      <p:par>
+        <p:cTn id="1" dur="indefinite" restart="never" nodeType="tmRoot"/>
+      </p:par>
+    </p:tnLst>
+  </p:timing>
+</p:sld>
+</file>
+
+<file path=ppt/slides/slide5.xml><?xml version="1.0" encoding="utf-8"?>
+<p:sld xmlns:a="http://schemas.openxmlformats.org/drawingml/2006/main" xmlns:r="http://schemas.openxmlformats.org/officeDocument/2006/relationships" xmlns:p="http://schemas.openxmlformats.org/presentationml/2006/main">
+  <p:cSld>
+    <p:spTree>
+      <p:nvGrpSpPr>
+        <p:cNvPr id="1" name=""/>
+        <p:cNvGrpSpPr/>
+        <p:nvPr/>
+      </p:nvGrpSpPr>
+      <p:grpSpPr>
+        <a:xfrm>
+          <a:off x="0" y="0"/>
+          <a:ext cx="0" cy="0"/>
+          <a:chOff x="0" y="0"/>
+          <a:chExt cx="0" cy="0"/>
+        </a:xfrm>
+      </p:grpSpPr>
+      <p:sp>
+        <p:nvSpPr>
+          <p:cNvPr id="2" name="Title 1"/>
+          <p:cNvSpPr>
+            <a:spLocks noGrp="1"/>
+          </p:cNvSpPr>
+          <p:nvPr>
+            <p:ph type="title"/>
+          </p:nvPr>
+        </p:nvSpPr>
+        <p:spPr>
+          <a:xfrm>
+            <a:off x="0" y="1"/>
+            <a:ext cx="12192000" cy="791570"/>
+          </a:xfrm>
+        </p:spPr>
+        <p:txBody>
+          <a:bodyPr/>
+          <a:lstStyle/>
+          <a:p>
+            <a:endParaRPr lang="en-US" dirty="0"/>
+          </a:p>
+        </p:txBody>
+      </p:sp>
+      <p:sp>
+        <p:nvSpPr>
+          <p:cNvPr id="3" name="Content Placeholder 2"/>
+          <p:cNvSpPr>
+            <a:spLocks noGrp="1"/>
+          </p:cNvSpPr>
+          <p:nvPr>
+            <p:ph idx="1"/>
+          </p:nvPr>
+        </p:nvSpPr>
+        <p:spPr>
+          <a:xfrm>
+            <a:off x="457200" y="791570"/>
+            <a:ext cx="11734800" cy="6066430"/>
+          </a:xfrm>
+        </p:spPr>
+        <p:txBody>
+          <a:bodyPr>
+            <a:normAutofit/>
+          </a:bodyPr>
+          <a:lstStyle/>
+          <a:p>
+            <a:r>
+              <a:rPr lang="en-US" dirty="0" smtClean="0"/>
+              <a:t>Start Hive by</a:t>
+            </a:r>
+          </a:p>
+          <a:p>
+            <a:pPr lvl="1"/>
+            <a:r>
+              <a:rPr lang="en-US" dirty="0" smtClean="0"/>
+              <a:t>&gt; hive or &gt;beeline</a:t>
+            </a:r>
+          </a:p>
+          <a:p>
+            <a:r>
+              <a:rPr lang="en-US" dirty="0" smtClean="0"/>
+              <a:t>Create simple table</a:t>
+            </a:r>
+          </a:p>
+          <a:p>
+            <a:pPr lvl="1"/>
+            <a:r>
+              <a:rPr lang="en-US" dirty="0"/>
+              <a:t>hive&gt; CREATE TABLE x (a INT</a:t>
+            </a:r>
+            <a:r>
+              <a:rPr lang="en-US" dirty="0" smtClean="0"/>
+              <a:t>);</a:t>
+            </a:r>
+          </a:p>
+          <a:p>
+            <a:pPr lvl="1"/>
+            <a:r>
+              <a:rPr lang="en-US" dirty="0"/>
+              <a:t>hive&gt; SELECT * FROM x</a:t>
+            </a:r>
+            <a:r>
+              <a:rPr lang="en-US" dirty="0" smtClean="0"/>
+              <a:t>;</a:t>
+            </a:r>
+          </a:p>
+          <a:p>
+            <a:pPr lvl="1"/>
+            <a:r>
+              <a:rPr lang="en-US" dirty="0"/>
+              <a:t>DROP TABLE x</a:t>
+            </a:r>
+            <a:r>
+              <a:rPr lang="en-US" dirty="0" smtClean="0"/>
+              <a:t>;</a:t>
+            </a:r>
+          </a:p>
+          <a:p>
+            <a:pPr lvl="1"/>
+            <a:r>
+              <a:rPr lang="en-US" dirty="0"/>
+              <a:t>hive&gt; exit</a:t>
+            </a:r>
+            <a:r>
+              <a:rPr lang="en-US" dirty="0" smtClean="0"/>
+              <a:t>;</a:t>
+            </a:r>
+          </a:p>
+          <a:p>
+            <a:pPr lvl="1"/>
+            <a:r>
+              <a:rPr lang="en-US" dirty="0"/>
+              <a:t>If you are running with the default </a:t>
+            </a:r>
+            <a:r>
+              <a:rPr lang="en-US" i="1" dirty="0"/>
+              <a:t>Derby </a:t>
+            </a:r>
+            <a:r>
+              <a:rPr lang="en-US" dirty="0"/>
+              <a:t>database for the </a:t>
+            </a:r>
+            <a:r>
+              <a:rPr lang="en-US" dirty="0" err="1"/>
+              <a:t>metastore</a:t>
+            </a:r>
+            <a:r>
+              <a:rPr lang="en-US" dirty="0"/>
+              <a:t>, you’ll notice </a:t>
+            </a:r>
+            <a:r>
+              <a:rPr lang="en-US" dirty="0" smtClean="0"/>
+              <a:t>that your </a:t>
+            </a:r>
+            <a:r>
+              <a:rPr lang="en-US" dirty="0"/>
+              <a:t>current working directory now contains a new subdirectory called </a:t>
+            </a:r>
+            <a:r>
+              <a:rPr lang="en-US" i="1" dirty="0" err="1" smtClean="0"/>
+              <a:t>metastore_db</a:t>
+            </a:r>
+            <a:r>
+              <a:rPr lang="en-US" i="1" dirty="0" smtClean="0"/>
+              <a:t> </a:t>
+            </a:r>
+            <a:r>
+              <a:rPr lang="en-US" dirty="0" smtClean="0"/>
+              <a:t>that </a:t>
+            </a:r>
+            <a:r>
+              <a:rPr lang="en-US" dirty="0"/>
+              <a:t>was created by </a:t>
+            </a:r>
+            <a:r>
+              <a:rPr lang="en-US" i="1" dirty="0"/>
+              <a:t>Derby </a:t>
+            </a:r>
+            <a:r>
+              <a:rPr lang="en-US" dirty="0"/>
+              <a:t>during the short hive session you just executed</a:t>
+            </a:r>
+            <a:r>
+              <a:rPr lang="en-US" dirty="0" smtClean="0"/>
+              <a:t>.</a:t>
+            </a:r>
+          </a:p>
+          <a:p>
+            <a:pPr lvl="1"/>
+            <a:r>
+              <a:rPr lang="en-US" dirty="0"/>
+              <a:t>Creating a </a:t>
+            </a:r>
+            <a:r>
+              <a:rPr lang="en-US" i="1" dirty="0" err="1"/>
+              <a:t>metastore_db</a:t>
+            </a:r>
+            <a:r>
+              <a:rPr lang="en-US" i="1" dirty="0"/>
+              <a:t> </a:t>
+            </a:r>
+            <a:r>
+              <a:rPr lang="en-US" dirty="0"/>
+              <a:t>subdirectory under whatever working directory you </a:t>
+            </a:r>
+            <a:r>
+              <a:rPr lang="en-US" dirty="0" smtClean="0"/>
+              <a:t>happen to </a:t>
+            </a:r>
+            <a:r>
+              <a:rPr lang="en-US" dirty="0"/>
+              <a:t>be in is not convenient, as </a:t>
+            </a:r>
+            <a:r>
+              <a:rPr lang="en-US" i="1" dirty="0"/>
+              <a:t>Derby </a:t>
+            </a:r>
+            <a:r>
+              <a:rPr lang="en-US" dirty="0"/>
+              <a:t>“forgets” about previous </a:t>
+            </a:r>
+            <a:r>
+              <a:rPr lang="en-US" dirty="0" err="1"/>
+              <a:t>metastores</a:t>
+            </a:r>
+            <a:r>
+              <a:rPr lang="en-US" dirty="0"/>
+              <a:t> when </a:t>
+            </a:r>
+            <a:r>
+              <a:rPr lang="en-US" dirty="0" smtClean="0"/>
+              <a:t>you change </a:t>
+            </a:r>
+            <a:r>
+              <a:rPr lang="en-US" dirty="0"/>
+              <a:t>to a new working directory</a:t>
+            </a:r>
+            <a:r>
+              <a:rPr lang="en-US" dirty="0" smtClean="0"/>
+              <a:t>!</a:t>
+            </a:r>
+          </a:p>
+          <a:p>
+            <a:pPr lvl="1"/>
+            <a:r>
+              <a:rPr lang="en-US" dirty="0"/>
+              <a:t>we’ll see how to configure </a:t>
+            </a:r>
+            <a:r>
+              <a:rPr lang="en-US" dirty="0" smtClean="0"/>
+              <a:t>a permanent </a:t>
+            </a:r>
+            <a:r>
+              <a:rPr lang="en-US" dirty="0"/>
+              <a:t>location for the </a:t>
+            </a:r>
+            <a:r>
+              <a:rPr lang="en-US" dirty="0" err="1"/>
+              <a:t>metastore</a:t>
+            </a:r>
+            <a:r>
+              <a:rPr lang="en-US" dirty="0"/>
+              <a:t> </a:t>
+            </a:r>
+            <a:r>
+              <a:rPr lang="en-US" dirty="0" smtClean="0"/>
+              <a:t>database.</a:t>
+            </a:r>
+            <a:endParaRPr lang="en-US" dirty="0"/>
+          </a:p>
+        </p:txBody>
+      </p:sp>
+    </p:spTree>
+    <p:extLst>
+      <p:ext uri="{BB962C8B-B14F-4D97-AF65-F5344CB8AC3E}">
+        <p14:creationId xmlns:p14="http://schemas.microsoft.com/office/powerpoint/2010/main" val="4286320030"/>
+      </p:ext>
+    </p:extLst>
+  </p:cSld>
+  <p:clrMapOvr>
+    <a:masterClrMapping/>
+  </p:clrMapOvr>
+  <p:timing>
+    <p:tnLst>
+      <p:par>
+        <p:cTn id="1" dur="indefinite" restart="never" nodeType="tmRoot"/>
+      </p:par>
+    </p:tnLst>
+  </p:timing>
+</p:sld>
+</file>
+
+<file path=ppt/slides/slide6.xml><?xml version="1.0" encoding="utf-8"?>
+<p:sld xmlns:a="http://schemas.openxmlformats.org/drawingml/2006/main" xmlns:r="http://schemas.openxmlformats.org/officeDocument/2006/relationships" xmlns:p="http://schemas.openxmlformats.org/presentationml/2006/main">
+  <p:cSld>
+    <p:spTree>
+      <p:nvGrpSpPr>
+        <p:cNvPr id="1" name=""/>
+        <p:cNvGrpSpPr/>
+        <p:nvPr/>
+      </p:nvGrpSpPr>
+      <p:grpSpPr>
+        <a:xfrm>
+          <a:off x="0" y="0"/>
+          <a:ext cx="0" cy="0"/>
+          <a:chOff x="0" y="0"/>
+          <a:chExt cx="0" cy="0"/>
+        </a:xfrm>
+      </p:grpSpPr>
+      <p:sp>
+        <p:nvSpPr>
+          <p:cNvPr id="2" name="Title 1"/>
+          <p:cNvSpPr>
+            <a:spLocks noGrp="1"/>
+          </p:cNvSpPr>
+          <p:nvPr>
+            <p:ph type="title"/>
+          </p:nvPr>
+        </p:nvSpPr>
+        <p:spPr>
+          <a:xfrm>
+            <a:off x="0" y="1"/>
+            <a:ext cx="12192000" cy="791570"/>
+          </a:xfrm>
+        </p:spPr>
+        <p:txBody>
+          <a:bodyPr/>
+          <a:lstStyle/>
+          <a:p>
+            <a:endParaRPr lang="en-US" dirty="0"/>
+          </a:p>
+        </p:txBody>
+      </p:sp>
+      <p:sp>
+        <p:nvSpPr>
+          <p:cNvPr id="3" name="Content Placeholder 2"/>
+          <p:cNvSpPr>
+            <a:spLocks noGrp="1"/>
+          </p:cNvSpPr>
+          <p:nvPr>
+            <p:ph idx="1"/>
+          </p:nvPr>
+        </p:nvSpPr>
+        <p:spPr>
+          <a:xfrm>
+            <a:off x="457200" y="791570"/>
+            <a:ext cx="11734800" cy="6066430"/>
+          </a:xfrm>
+        </p:spPr>
+        <p:txBody>
+          <a:bodyPr>
+            <a:normAutofit fontScale="92500" lnSpcReduction="10000"/>
+          </a:bodyPr>
+          <a:lstStyle/>
+          <a:p>
+            <a:r>
+              <a:rPr lang="en-US" dirty="0" err="1" smtClean="0"/>
+              <a:t>Def</a:t>
+            </a:r>
+            <a:r>
+              <a:rPr lang="en-US" dirty="0"/>
+              <a:t> </a:t>
+            </a:r>
+            <a:r>
+              <a:rPr lang="en-US" dirty="0" smtClean="0"/>
+              <a:t>directory </a:t>
+            </a:r>
+            <a:r>
+              <a:rPr lang="en-US" dirty="0"/>
+              <a:t>for Hive to store table </a:t>
+            </a:r>
+            <a:r>
+              <a:rPr lang="en-US" dirty="0" smtClean="0"/>
+              <a:t>data – </a:t>
+            </a:r>
+          </a:p>
+          <a:p>
+            <a:pPr lvl="1"/>
+            <a:r>
+              <a:rPr lang="en-US" i="1" dirty="0" smtClean="0">
+                <a:hlinkClick r:id="rId2" action="ppaction://hlinkfile"/>
+              </a:rPr>
+              <a:t>file</a:t>
+            </a:r>
+            <a:r>
+              <a:rPr lang="en-US" i="1" dirty="0">
+                <a:hlinkClick r:id="rId2" action="ppaction://hlinkfile"/>
+              </a:rPr>
+              <a:t>:///</a:t>
+            </a:r>
+            <a:r>
+              <a:rPr lang="en-US" i="1" dirty="0" smtClean="0">
+                <a:hlinkClick r:id="rId2" action="ppaction://hlinkfile"/>
+              </a:rPr>
+              <a:t>user/hive/warehouse</a:t>
+            </a:r>
+            <a:r>
+              <a:rPr lang="en-US" i="1" dirty="0" smtClean="0"/>
+              <a:t>    for local mode</a:t>
+            </a:r>
+          </a:p>
+          <a:p>
+            <a:pPr lvl="1"/>
+            <a:r>
+              <a:rPr lang="en-US" i="1" dirty="0"/>
+              <a:t>hdfs://</a:t>
+            </a:r>
+            <a:r>
+              <a:rPr lang="en-US" i="1" dirty="0" smtClean="0"/>
+              <a:t>namenode_server/user/hive/warehouse    for other modes</a:t>
+            </a:r>
+          </a:p>
+          <a:p>
+            <a:r>
+              <a:rPr lang="en-US" i="1" dirty="0" smtClean="0"/>
+              <a:t>hive-</a:t>
+            </a:r>
+            <a:r>
+              <a:rPr lang="en-US" i="1" dirty="0" err="1" smtClean="0"/>
+              <a:t>default.xml.template</a:t>
+            </a:r>
+            <a:r>
+              <a:rPr lang="en-US" i="1" dirty="0" smtClean="0"/>
+              <a:t> – </a:t>
+            </a:r>
+          </a:p>
+          <a:p>
+            <a:pPr lvl="1"/>
+            <a:r>
+              <a:rPr lang="en-US" dirty="0" smtClean="0"/>
+              <a:t>shows </a:t>
+            </a:r>
+            <a:r>
+              <a:rPr lang="en-US" dirty="0"/>
+              <a:t>the different configuration </a:t>
+            </a:r>
+            <a:r>
+              <a:rPr lang="en-US" dirty="0" smtClean="0"/>
+              <a:t>properties supported </a:t>
+            </a:r>
+            <a:r>
+              <a:rPr lang="en-US" dirty="0"/>
+              <a:t>by Hive and their default </a:t>
+            </a:r>
+            <a:r>
+              <a:rPr lang="en-US" dirty="0" smtClean="0"/>
+              <a:t>values</a:t>
+            </a:r>
+          </a:p>
+          <a:p>
+            <a:r>
+              <a:rPr lang="en-US" dirty="0"/>
+              <a:t>Changes to your configuration are done by editing the </a:t>
+            </a:r>
+            <a:r>
+              <a:rPr lang="en-US" i="1" dirty="0"/>
+              <a:t>hive-site.xml </a:t>
+            </a:r>
+            <a:r>
+              <a:rPr lang="en-US" dirty="0"/>
+              <a:t>file. </a:t>
+            </a:r>
+            <a:endParaRPr lang="en-US" dirty="0" smtClean="0"/>
+          </a:p>
+          <a:p>
+            <a:pPr lvl="1"/>
+            <a:r>
+              <a:rPr lang="en-US" dirty="0" smtClean="0"/>
+              <a:t>Create one </a:t>
+            </a:r>
+            <a:r>
+              <a:rPr lang="en-US" dirty="0"/>
+              <a:t>if it doesn’t already exist</a:t>
+            </a:r>
+            <a:r>
+              <a:rPr lang="en-US" dirty="0" smtClean="0"/>
+              <a:t>.</a:t>
+            </a:r>
+          </a:p>
+          <a:p>
+            <a:r>
+              <a:rPr lang="en-US" i="1" dirty="0" smtClean="0"/>
+              <a:t>hive-site.xml – local mode</a:t>
+            </a:r>
+          </a:p>
+          <a:p>
+            <a:pPr lvl="2"/>
+            <a:r>
+              <a:rPr lang="en-US" b="1" dirty="0"/>
+              <a:t>&lt;name&gt;</a:t>
+            </a:r>
+            <a:r>
+              <a:rPr lang="en-US" dirty="0" err="1"/>
+              <a:t>hive.metastore.warehouse.dir</a:t>
+            </a:r>
+            <a:r>
+              <a:rPr lang="en-US" b="1" dirty="0"/>
+              <a:t>&lt;/name&gt;</a:t>
+            </a:r>
+          </a:p>
+          <a:p>
+            <a:pPr lvl="2"/>
+            <a:r>
+              <a:rPr lang="en-US" b="1" dirty="0"/>
+              <a:t>&lt;value&gt;</a:t>
+            </a:r>
+            <a:r>
+              <a:rPr lang="en-US" dirty="0"/>
+              <a:t>/home/me/hive/warehouse</a:t>
+            </a:r>
+            <a:r>
+              <a:rPr lang="en-US" b="1" dirty="0"/>
+              <a:t>&lt;/value</a:t>
+            </a:r>
+            <a:r>
+              <a:rPr lang="en-US" b="1" dirty="0" smtClean="0"/>
+              <a:t>&gt;</a:t>
+            </a:r>
+          </a:p>
+          <a:p>
+            <a:pPr lvl="2"/>
+            <a:r>
+              <a:rPr lang="en-US" b="1" dirty="0"/>
+              <a:t>&lt;description</a:t>
+            </a:r>
+            <a:r>
+              <a:rPr lang="en-US" b="1" dirty="0" smtClean="0"/>
+              <a:t>&gt; </a:t>
+            </a:r>
+            <a:r>
+              <a:rPr lang="en-US" dirty="0" smtClean="0"/>
+              <a:t>Local </a:t>
+            </a:r>
+            <a:r>
+              <a:rPr lang="en-US" dirty="0"/>
+              <a:t>or HDFS directory where Hive keeps table contents</a:t>
+            </a:r>
+            <a:r>
+              <a:rPr lang="en-US" dirty="0" smtClean="0"/>
+              <a:t>. </a:t>
+            </a:r>
+            <a:r>
+              <a:rPr lang="en-US" b="1" dirty="0" smtClean="0"/>
+              <a:t>&lt;/</a:t>
+            </a:r>
+            <a:r>
+              <a:rPr lang="en-US" b="1" dirty="0"/>
+              <a:t>description</a:t>
+            </a:r>
+            <a:r>
+              <a:rPr lang="en-US" b="1" dirty="0" smtClean="0"/>
+              <a:t>&gt;</a:t>
+            </a:r>
+          </a:p>
+          <a:p>
+            <a:pPr lvl="2"/>
+            <a:endParaRPr lang="en-US" b="1" dirty="0" smtClean="0"/>
+          </a:p>
+          <a:p>
+            <a:pPr lvl="2"/>
+            <a:r>
+              <a:rPr lang="en-US" b="1" dirty="0"/>
+              <a:t>&lt;name&gt;</a:t>
+            </a:r>
+            <a:r>
+              <a:rPr lang="en-US" dirty="0" err="1"/>
+              <a:t>hive.metastore.local</a:t>
+            </a:r>
+            <a:r>
+              <a:rPr lang="en-US" b="1" dirty="0"/>
+              <a:t>&lt;/name</a:t>
+            </a:r>
+            <a:r>
+              <a:rPr lang="en-US" b="1" dirty="0" smtClean="0"/>
+              <a:t>&gt; </a:t>
+            </a:r>
+            <a:r>
+              <a:rPr lang="en-US" b="1" dirty="0"/>
+              <a:t>&lt;value&gt;</a:t>
+            </a:r>
+            <a:r>
+              <a:rPr lang="en-US" dirty="0"/>
+              <a:t>true</a:t>
+            </a:r>
+            <a:r>
+              <a:rPr lang="en-US" b="1" dirty="0"/>
+              <a:t>&lt;/value&gt;</a:t>
+            </a:r>
+          </a:p>
+          <a:p>
+            <a:pPr lvl="2"/>
+            <a:r>
+              <a:rPr lang="en-US" b="1" dirty="0"/>
+              <a:t>&lt;description</a:t>
+            </a:r>
+            <a:r>
+              <a:rPr lang="en-US" b="1" dirty="0" smtClean="0"/>
+              <a:t>&gt; </a:t>
+            </a:r>
+            <a:r>
+              <a:rPr lang="en-US" dirty="0" smtClean="0"/>
+              <a:t>Use </a:t>
+            </a:r>
+            <a:r>
+              <a:rPr lang="en-US" dirty="0"/>
+              <a:t>false if a production </a:t>
+            </a:r>
+            <a:r>
+              <a:rPr lang="en-US" dirty="0" err="1"/>
+              <a:t>metastore</a:t>
+            </a:r>
+            <a:r>
+              <a:rPr lang="en-US" dirty="0"/>
+              <a:t> server is used</a:t>
+            </a:r>
+            <a:r>
+              <a:rPr lang="en-US" dirty="0" smtClean="0"/>
+              <a:t>. </a:t>
+            </a:r>
+            <a:r>
+              <a:rPr lang="en-US" b="1" dirty="0" smtClean="0"/>
+              <a:t>&lt;/</a:t>
+            </a:r>
+            <a:r>
+              <a:rPr lang="en-US" b="1" dirty="0"/>
+              <a:t>description</a:t>
+            </a:r>
+            <a:r>
+              <a:rPr lang="en-US" b="1" dirty="0" smtClean="0"/>
+              <a:t>&gt;</a:t>
+            </a:r>
+          </a:p>
+          <a:p>
+            <a:pPr lvl="2"/>
+            <a:endParaRPr lang="en-US" b="1" dirty="0" smtClean="0"/>
+          </a:p>
+          <a:p>
+            <a:pPr lvl="2"/>
+            <a:r>
+              <a:rPr lang="en-US" b="1" dirty="0"/>
+              <a:t>&lt;name&gt;</a:t>
+            </a:r>
+            <a:r>
+              <a:rPr lang="en-US" dirty="0" err="1"/>
+              <a:t>javax.jdo.option.ConnectionURL</a:t>
+            </a:r>
+            <a:r>
+              <a:rPr lang="en-US" b="1" dirty="0"/>
+              <a:t>&lt;/name&gt;</a:t>
+            </a:r>
+          </a:p>
+          <a:p>
+            <a:pPr lvl="2"/>
+            <a:r>
+              <a:rPr lang="en-US" b="1" dirty="0"/>
+              <a:t>&lt;value&gt;</a:t>
+            </a:r>
+            <a:r>
+              <a:rPr lang="en-US" dirty="0" err="1"/>
+              <a:t>jdbc:derby</a:t>
+            </a:r>
+            <a:r>
+              <a:rPr lang="en-US" dirty="0"/>
+              <a:t>:;</a:t>
+            </a:r>
+            <a:r>
+              <a:rPr lang="en-US" dirty="0" err="1"/>
+              <a:t>databaseName</a:t>
+            </a:r>
+            <a:r>
+              <a:rPr lang="en-US" dirty="0"/>
+              <a:t>=/home/me/hive/</a:t>
+            </a:r>
+            <a:r>
+              <a:rPr lang="en-US" dirty="0" err="1"/>
+              <a:t>metastore_db;create</a:t>
+            </a:r>
+            <a:r>
+              <a:rPr lang="en-US" dirty="0"/>
+              <a:t>=true</a:t>
+            </a:r>
+            <a:r>
+              <a:rPr lang="en-US" b="1" dirty="0"/>
+              <a:t>&lt;/value&gt;</a:t>
+            </a:r>
+          </a:p>
+          <a:p>
+            <a:pPr lvl="2"/>
+            <a:r>
+              <a:rPr lang="en-US" b="1" dirty="0"/>
+              <a:t>&lt;description</a:t>
+            </a:r>
+            <a:r>
+              <a:rPr lang="en-US" b="1" dirty="0" smtClean="0"/>
+              <a:t>&gt; </a:t>
+            </a:r>
+            <a:r>
+              <a:rPr lang="en-US" dirty="0" smtClean="0"/>
+              <a:t>The </a:t>
+            </a:r>
+            <a:r>
+              <a:rPr lang="en-US" dirty="0"/>
+              <a:t>JDBC connection URL</a:t>
+            </a:r>
+            <a:r>
+              <a:rPr lang="en-US" dirty="0" smtClean="0"/>
+              <a:t>. </a:t>
+            </a:r>
+            <a:r>
+              <a:rPr lang="en-US" b="1" dirty="0" smtClean="0"/>
+              <a:t>&lt;/</a:t>
+            </a:r>
+            <a:r>
+              <a:rPr lang="en-US" b="1" dirty="0"/>
+              <a:t>description&gt;</a:t>
+            </a:r>
+            <a:endParaRPr lang="en-US" dirty="0"/>
+          </a:p>
+        </p:txBody>
+      </p:sp>
+    </p:spTree>
+    <p:extLst>
+      <p:ext uri="{BB962C8B-B14F-4D97-AF65-F5344CB8AC3E}">
+        <p14:creationId xmlns:p14="http://schemas.microsoft.com/office/powerpoint/2010/main" val="644566246"/>
+      </p:ext>
+    </p:extLst>
+  </p:cSld>
+  <p:clrMapOvr>
+    <a:masterClrMapping/>
+  </p:clrMapOvr>
+  <p:timing>
+    <p:tnLst>
+      <p:par>
+        <p:cTn id="1" dur="indefinite" restart="never" nodeType="tmRoot"/>
+      </p:par>
+    </p:tnLst>
+  </p:timing>
+</p:sld>
+</file>
+
+<file path=ppt/slides/slide7.xml><?xml version="1.0" encoding="utf-8"?>
+<p:sld xmlns:a="http://schemas.openxmlformats.org/drawingml/2006/main" xmlns:r="http://schemas.openxmlformats.org/officeDocument/2006/relationships" xmlns:p="http://schemas.openxmlformats.org/presentationml/2006/main">
+  <p:cSld>
+    <p:spTree>
+      <p:nvGrpSpPr>
+        <p:cNvPr id="1" name=""/>
+        <p:cNvGrpSpPr/>
+        <p:nvPr/>
+      </p:nvGrpSpPr>
+      <p:grpSpPr>
+        <a:xfrm>
+          <a:off x="0" y="0"/>
+          <a:ext cx="0" cy="0"/>
+          <a:chOff x="0" y="0"/>
+          <a:chExt cx="0" cy="0"/>
+        </a:xfrm>
+      </p:grpSpPr>
+      <p:sp>
+        <p:nvSpPr>
+          <p:cNvPr id="2" name="Title 1"/>
+          <p:cNvSpPr>
+            <a:spLocks noGrp="1"/>
+          </p:cNvSpPr>
+          <p:nvPr>
+            <p:ph type="title"/>
+          </p:nvPr>
+        </p:nvSpPr>
+        <p:spPr>
+          <a:xfrm>
+            <a:off x="0" y="1"/>
+            <a:ext cx="12192000" cy="791570"/>
+          </a:xfrm>
+        </p:spPr>
+        <p:txBody>
+          <a:bodyPr/>
+          <a:lstStyle/>
+          <a:p>
+            <a:endParaRPr lang="en-US" dirty="0"/>
+          </a:p>
+        </p:txBody>
+      </p:sp>
+      <p:sp>
+        <p:nvSpPr>
+          <p:cNvPr id="3" name="Content Placeholder 2"/>
+          <p:cNvSpPr>
+            <a:spLocks noGrp="1"/>
+          </p:cNvSpPr>
+          <p:nvPr>
+            <p:ph idx="1"/>
+          </p:nvPr>
+        </p:nvSpPr>
+        <p:spPr>
+          <a:xfrm>
+            <a:off x="457200" y="791570"/>
+            <a:ext cx="11734800" cy="6066430"/>
+          </a:xfrm>
+        </p:spPr>
+        <p:txBody>
+          <a:bodyPr>
+            <a:normAutofit lnSpcReduction="10000"/>
+          </a:bodyPr>
+          <a:lstStyle/>
+          <a:p>
+            <a:pPr lvl="1"/>
+            <a:r>
+              <a:rPr lang="en-US" dirty="0" err="1" smtClean="0"/>
+              <a:t>hive.metastore.warehouse.dir</a:t>
+            </a:r>
+            <a:r>
+              <a:rPr lang="en-US" dirty="0" smtClean="0"/>
+              <a:t> </a:t>
+            </a:r>
+            <a:r>
+              <a:rPr lang="en-US" dirty="0"/>
+              <a:t>This value is </a:t>
+            </a:r>
+            <a:r>
+              <a:rPr lang="en-US" dirty="0" smtClean="0"/>
+              <a:t>appended to </a:t>
+            </a:r>
+            <a:r>
+              <a:rPr lang="en-US" dirty="0"/>
+              <a:t>the value of </a:t>
+            </a:r>
+            <a:r>
+              <a:rPr lang="en-US" sz="2400" dirty="0"/>
+              <a:t>fs.default.name </a:t>
+            </a:r>
+            <a:r>
+              <a:rPr lang="en-US" dirty="0"/>
+              <a:t>defined in the Hadoop configuration and </a:t>
+            </a:r>
+            <a:r>
+              <a:rPr lang="en-US" dirty="0" smtClean="0"/>
+              <a:t>defaults to </a:t>
+            </a:r>
+            <a:r>
+              <a:rPr lang="en-US" i="1" dirty="0">
+                <a:hlinkClick r:id=""/>
+              </a:rPr>
+              <a:t>file</a:t>
+            </a:r>
+            <a:r>
+              <a:rPr lang="en-US" i="1" dirty="0" smtClean="0">
+                <a:hlinkClick r:id=""/>
+              </a:rPr>
+              <a:t>:///</a:t>
+            </a:r>
+            <a:r>
+              <a:rPr lang="en-US" dirty="0" smtClean="0"/>
+              <a:t>.</a:t>
+            </a:r>
+          </a:p>
+          <a:p>
+            <a:pPr lvl="1"/>
+            <a:endParaRPr lang="en-US" dirty="0" smtClean="0"/>
+          </a:p>
+          <a:p>
+            <a:pPr lvl="1"/>
+            <a:r>
+              <a:rPr lang="en-US" dirty="0" err="1" smtClean="0"/>
+              <a:t>hive.metastore.local</a:t>
+            </a:r>
+            <a:r>
+              <a:rPr lang="en-US" dirty="0" smtClean="0"/>
+              <a:t> property controls whether </a:t>
+            </a:r>
+            <a:r>
+              <a:rPr lang="en-US" dirty="0"/>
+              <a:t>to connect to a remote </a:t>
+            </a:r>
+            <a:r>
+              <a:rPr lang="en-US" dirty="0" err="1"/>
+              <a:t>metastore</a:t>
+            </a:r>
+            <a:r>
+              <a:rPr lang="en-US" dirty="0"/>
+              <a:t> server or open a new </a:t>
+            </a:r>
+            <a:r>
+              <a:rPr lang="en-US" dirty="0" err="1"/>
+              <a:t>metastore</a:t>
+            </a:r>
+            <a:r>
+              <a:rPr lang="en-US" dirty="0"/>
+              <a:t> server as </a:t>
+            </a:r>
+            <a:r>
+              <a:rPr lang="en-US" dirty="0" smtClean="0"/>
+              <a:t>part of </a:t>
+            </a:r>
+            <a:r>
+              <a:rPr lang="en-US" dirty="0"/>
+              <a:t>the Hive Client </a:t>
+            </a:r>
+            <a:r>
+              <a:rPr lang="en-US" dirty="0" smtClean="0"/>
+              <a:t>JVM.</a:t>
+            </a:r>
+          </a:p>
+          <a:p>
+            <a:pPr lvl="1"/>
+            <a:r>
+              <a:rPr lang="en-US" dirty="0"/>
+              <a:t>This setting is almost always set to </a:t>
+            </a:r>
+            <a:r>
+              <a:rPr lang="en-US" sz="1600" dirty="0"/>
+              <a:t>true </a:t>
+            </a:r>
+            <a:r>
+              <a:rPr lang="en-US" dirty="0"/>
+              <a:t>and JDBC is used </a:t>
+            </a:r>
+            <a:r>
+              <a:rPr lang="en-US" dirty="0" smtClean="0"/>
+              <a:t>to communicate </a:t>
+            </a:r>
+            <a:r>
+              <a:rPr lang="en-US" dirty="0"/>
+              <a:t>directly to a relational database</a:t>
+            </a:r>
+            <a:r>
+              <a:rPr lang="en-US" dirty="0" smtClean="0"/>
+              <a:t>. </a:t>
+            </a:r>
+          </a:p>
+          <a:p>
+            <a:pPr lvl="1"/>
+            <a:r>
+              <a:rPr lang="en-US" dirty="0" smtClean="0"/>
+              <a:t>When </a:t>
+            </a:r>
+            <a:r>
+              <a:rPr lang="en-US" dirty="0"/>
+              <a:t>it is set to </a:t>
+            </a:r>
+            <a:r>
+              <a:rPr lang="en-US" sz="2000" dirty="0"/>
+              <a:t>false</a:t>
+            </a:r>
+            <a:r>
+              <a:rPr lang="en-US" dirty="0"/>
+              <a:t>, Hive </a:t>
+            </a:r>
+            <a:r>
+              <a:rPr lang="en-US" dirty="0" smtClean="0"/>
+              <a:t>will communicate </a:t>
+            </a:r>
+            <a:r>
+              <a:rPr lang="en-US" dirty="0"/>
+              <a:t>through a </a:t>
+            </a:r>
+            <a:r>
+              <a:rPr lang="en-US" dirty="0" err="1"/>
+              <a:t>metastore</a:t>
+            </a:r>
+            <a:r>
+              <a:rPr lang="en-US" dirty="0"/>
+              <a:t> </a:t>
+            </a:r>
+            <a:r>
+              <a:rPr lang="en-US" dirty="0" smtClean="0"/>
+              <a:t>server</a:t>
+            </a:r>
+          </a:p>
+          <a:p>
+            <a:pPr lvl="1"/>
+            <a:endParaRPr lang="en-US" dirty="0"/>
+          </a:p>
+          <a:p>
+            <a:pPr lvl="1"/>
+            <a:r>
+              <a:rPr lang="en-US" dirty="0" err="1"/>
+              <a:t>javax.jdo.option.ConnectionURL</a:t>
+            </a:r>
+            <a:r>
+              <a:rPr lang="en-US" dirty="0"/>
+              <a:t> </a:t>
+            </a:r>
+            <a:r>
+              <a:rPr lang="en-US" dirty="0" smtClean="0"/>
+              <a:t>property </a:t>
+            </a:r>
+            <a:r>
+              <a:rPr lang="en-US" dirty="0"/>
+              <a:t>tells Hive how </a:t>
+            </a:r>
+            <a:r>
+              <a:rPr lang="en-US" dirty="0" smtClean="0"/>
+              <a:t>to connect </a:t>
+            </a:r>
+            <a:r>
+              <a:rPr lang="en-US" dirty="0"/>
+              <a:t>to the </a:t>
+            </a:r>
+            <a:r>
+              <a:rPr lang="en-US" i="1" dirty="0" err="1"/>
+              <a:t>metastore</a:t>
+            </a:r>
+            <a:r>
+              <a:rPr lang="en-US" i="1" dirty="0"/>
+              <a:t> </a:t>
+            </a:r>
+            <a:r>
+              <a:rPr lang="en-US" dirty="0" smtClean="0"/>
+              <a:t>server. </a:t>
+            </a:r>
+            <a:r>
+              <a:rPr lang="en-US" dirty="0"/>
+              <a:t>By default, it uses the current working directory </a:t>
+            </a:r>
+            <a:r>
+              <a:rPr lang="en-US" dirty="0" smtClean="0"/>
+              <a:t>for the </a:t>
+            </a:r>
+            <a:r>
+              <a:rPr lang="en-US" sz="2000" dirty="0" err="1"/>
+              <a:t>databaseName</a:t>
+            </a:r>
+            <a:r>
+              <a:rPr lang="en-US" sz="2000" dirty="0"/>
+              <a:t> </a:t>
+            </a:r>
+            <a:r>
+              <a:rPr lang="en-US" dirty="0"/>
+              <a:t>part of the value string</a:t>
+            </a:r>
+            <a:r>
+              <a:rPr lang="en-US" dirty="0" smtClean="0"/>
+              <a:t>. </a:t>
+            </a:r>
+            <a:r>
+              <a:rPr lang="en-US" dirty="0"/>
+              <a:t>we use </a:t>
+            </a:r>
+            <a:r>
+              <a:rPr lang="en-US" dirty="0" smtClean="0"/>
+              <a:t>database Name</a:t>
+            </a:r>
+            <a:r>
+              <a:rPr lang="en-US" dirty="0"/>
+              <a:t>=/home/me/hive/</a:t>
+            </a:r>
+            <a:r>
+              <a:rPr lang="en-US" dirty="0" err="1"/>
+              <a:t>metastore_db</a:t>
+            </a:r>
+            <a:r>
+              <a:rPr lang="en-US" dirty="0"/>
+              <a:t> as the absolute path instead, which is the </a:t>
+            </a:r>
+            <a:r>
+              <a:rPr lang="en-US" dirty="0" smtClean="0"/>
+              <a:t>location where </a:t>
+            </a:r>
+            <a:r>
+              <a:rPr lang="en-US" dirty="0"/>
+              <a:t>the </a:t>
+            </a:r>
+            <a:r>
+              <a:rPr lang="en-US" i="1" dirty="0" err="1"/>
+              <a:t>metastore_db</a:t>
+            </a:r>
+            <a:r>
+              <a:rPr lang="en-US" i="1" dirty="0"/>
+              <a:t> </a:t>
+            </a:r>
+            <a:r>
+              <a:rPr lang="en-US" dirty="0"/>
+              <a:t>directory will always be located</a:t>
+            </a:r>
+            <a:r>
+              <a:rPr lang="en-US" dirty="0" smtClean="0"/>
+              <a:t>.</a:t>
+            </a:r>
+          </a:p>
+          <a:p>
+            <a:pPr lvl="1"/>
+            <a:r>
+              <a:rPr lang="en-US" dirty="0"/>
+              <a:t>This change eliminates </a:t>
+            </a:r>
+            <a:r>
+              <a:rPr lang="en-US" dirty="0" smtClean="0"/>
+              <a:t>the problem </a:t>
+            </a:r>
+            <a:r>
+              <a:rPr lang="en-US" dirty="0"/>
+              <a:t>of Hive dropping the </a:t>
+            </a:r>
+            <a:r>
+              <a:rPr lang="en-US" i="1" dirty="0" err="1"/>
+              <a:t>metastore_db</a:t>
+            </a:r>
+            <a:r>
+              <a:rPr lang="en-US" i="1" dirty="0"/>
+              <a:t> </a:t>
+            </a:r>
+            <a:r>
+              <a:rPr lang="en-US" dirty="0"/>
+              <a:t>directory in the current working </a:t>
+            </a:r>
+            <a:r>
+              <a:rPr lang="en-US" dirty="0" smtClean="0"/>
+              <a:t>directory every </a:t>
+            </a:r>
+            <a:r>
+              <a:rPr lang="en-US" dirty="0"/>
+              <a:t>time we start a new Hive session. Now, we’ll always have access to all </a:t>
+            </a:r>
+            <a:r>
+              <a:rPr lang="en-US" dirty="0" smtClean="0"/>
+              <a:t>our metadata</a:t>
+            </a:r>
+            <a:r>
+              <a:rPr lang="en-US" dirty="0"/>
+              <a:t>, no matter what directory we are working in</a:t>
+            </a:r>
+            <a:r>
+              <a:rPr lang="en-US" dirty="0" smtClean="0"/>
+              <a:t>.</a:t>
+            </a:r>
+          </a:p>
+          <a:p>
+            <a:pPr lvl="1"/>
+            <a:endParaRPr lang="en-US" dirty="0"/>
+          </a:p>
+        </p:txBody>
+      </p:sp>
+    </p:spTree>
+    <p:extLst>
+      <p:ext uri="{BB962C8B-B14F-4D97-AF65-F5344CB8AC3E}">
+        <p14:creationId xmlns:p14="http://schemas.microsoft.com/office/powerpoint/2010/main" val="3425639148"/>
+      </p:ext>
+    </p:extLst>
+  </p:cSld>
+  <p:clrMapOvr>
+    <a:masterClrMapping/>
+  </p:clrMapOvr>
+  <p:timing>
+    <p:tnLst>
+      <p:par>
+        <p:cTn id="1" dur="indefinite" restart="never" nodeType="tmRoot"/>
+      </p:par>
+    </p:tnLst>
+  </p:timing>
+</p:sld>
+</file>
+
+<file path=ppt/slides/slide8.xml><?xml version="1.0" encoding="utf-8"?>
+<p:sld xmlns:a="http://schemas.openxmlformats.org/drawingml/2006/main" xmlns:r="http://schemas.openxmlformats.org/officeDocument/2006/relationships" xmlns:p="http://schemas.openxmlformats.org/presentationml/2006/main">
+  <p:cSld>
+    <p:spTree>
+      <p:nvGrpSpPr>
+        <p:cNvPr id="1" name=""/>
+        <p:cNvGrpSpPr/>
+        <p:nvPr/>
+      </p:nvGrpSpPr>
+      <p:grpSpPr>
+        <a:xfrm>
+          <a:off x="0" y="0"/>
+          <a:ext cx="0" cy="0"/>
+          <a:chOff x="0" y="0"/>
+          <a:chExt cx="0" cy="0"/>
+        </a:xfrm>
+      </p:grpSpPr>
+      <p:sp>
+        <p:nvSpPr>
+          <p:cNvPr id="2" name="Title 1"/>
+          <p:cNvSpPr>
+            <a:spLocks noGrp="1"/>
+          </p:cNvSpPr>
+          <p:nvPr>
+            <p:ph type="title"/>
+          </p:nvPr>
+        </p:nvSpPr>
+        <p:spPr>
+          <a:xfrm>
+            <a:off x="0" y="1"/>
+            <a:ext cx="12192000" cy="791570"/>
+          </a:xfrm>
+        </p:spPr>
+        <p:txBody>
+          <a:bodyPr>
+            <a:normAutofit fontScale="90000"/>
+          </a:bodyPr>
+          <a:lstStyle/>
+          <a:p>
+            <a:r>
+              <a:rPr lang="en-US" dirty="0"/>
+              <a:t>Distributed and </a:t>
+            </a:r>
+            <a:r>
+              <a:rPr lang="en-US" dirty="0" err="1"/>
+              <a:t>Pseudodistributed</a:t>
+            </a:r>
+            <a:r>
+              <a:rPr lang="en-US" dirty="0"/>
+              <a:t> Mode Configuration</a:t>
+            </a:r>
+            <a:endParaRPr lang="en-US" dirty="0"/>
+          </a:p>
+        </p:txBody>
+      </p:sp>
+      <p:sp>
+        <p:nvSpPr>
+          <p:cNvPr id="3" name="Content Placeholder 2"/>
+          <p:cNvSpPr>
+            <a:spLocks noGrp="1"/>
+          </p:cNvSpPr>
+          <p:nvPr>
+            <p:ph idx="1"/>
+          </p:nvPr>
+        </p:nvSpPr>
+        <p:spPr>
+          <a:xfrm>
+            <a:off x="457200" y="791570"/>
+            <a:ext cx="11734800" cy="6066430"/>
+          </a:xfrm>
+        </p:spPr>
+        <p:txBody>
+          <a:bodyPr>
+            <a:normAutofit/>
+          </a:bodyPr>
+          <a:lstStyle/>
+          <a:p>
+            <a:pPr lvl="1"/>
+            <a:r>
+              <a:rPr lang="en-US" dirty="0"/>
+              <a:t>In </a:t>
+            </a:r>
+            <a:r>
+              <a:rPr lang="en-US" i="1" dirty="0"/>
+              <a:t>distributed </a:t>
+            </a:r>
+            <a:r>
+              <a:rPr lang="en-US" dirty="0"/>
+              <a:t>mode, several services run in the cluster. The </a:t>
+            </a:r>
+            <a:r>
+              <a:rPr lang="en-US" i="1" dirty="0" err="1"/>
+              <a:t>JobTracker</a:t>
+            </a:r>
+            <a:r>
+              <a:rPr lang="en-US" i="1" dirty="0"/>
+              <a:t> </a:t>
+            </a:r>
+            <a:r>
+              <a:rPr lang="en-US" dirty="0"/>
+              <a:t>manages </a:t>
+            </a:r>
+            <a:r>
+              <a:rPr lang="en-US" dirty="0" smtClean="0"/>
+              <a:t>jobs and </a:t>
+            </a:r>
+            <a:r>
+              <a:rPr lang="en-US" dirty="0"/>
+              <a:t>the </a:t>
+            </a:r>
+            <a:r>
+              <a:rPr lang="en-US" i="1" dirty="0" err="1"/>
+              <a:t>NameNode</a:t>
+            </a:r>
+            <a:r>
+              <a:rPr lang="en-US" i="1" dirty="0"/>
+              <a:t> </a:t>
+            </a:r>
+            <a:r>
+              <a:rPr lang="en-US" dirty="0"/>
+              <a:t>is the HDFS master. Worker nodes run individual job tasks, </a:t>
+            </a:r>
+            <a:r>
+              <a:rPr lang="en-US" dirty="0" smtClean="0"/>
+              <a:t>managed by </a:t>
+            </a:r>
+            <a:r>
+              <a:rPr lang="en-US" dirty="0"/>
+              <a:t>a </a:t>
+            </a:r>
+            <a:r>
+              <a:rPr lang="en-US" i="1" dirty="0" err="1"/>
+              <a:t>TaskTracker</a:t>
+            </a:r>
+            <a:r>
+              <a:rPr lang="en-US" i="1" dirty="0"/>
+              <a:t> </a:t>
+            </a:r>
+            <a:r>
+              <a:rPr lang="en-US" dirty="0"/>
+              <a:t>service on each node, and then hold blocks for files in </a:t>
+            </a:r>
+            <a:r>
+              <a:rPr lang="en-US" dirty="0" smtClean="0"/>
+              <a:t>the distributed </a:t>
+            </a:r>
+            <a:r>
+              <a:rPr lang="en-US" dirty="0" err="1"/>
+              <a:t>filesystem</a:t>
+            </a:r>
+            <a:r>
+              <a:rPr lang="en-US" dirty="0"/>
+              <a:t>, managed by </a:t>
+            </a:r>
+            <a:r>
+              <a:rPr lang="en-US" i="1" dirty="0" err="1"/>
+              <a:t>DataNode</a:t>
+            </a:r>
+            <a:r>
+              <a:rPr lang="en-US" i="1" dirty="0"/>
+              <a:t> </a:t>
+            </a:r>
+            <a:r>
+              <a:rPr lang="en-US" dirty="0"/>
+              <a:t>services</a:t>
+            </a:r>
+            <a:r>
+              <a:rPr lang="en-US" dirty="0" smtClean="0"/>
+              <a:t>.</a:t>
+            </a:r>
+          </a:p>
+          <a:p>
+            <a:pPr lvl="1"/>
+            <a:r>
+              <a:rPr lang="en-US" i="1" dirty="0" err="1"/>
+              <a:t>Pseudodistributed</a:t>
+            </a:r>
+            <a:r>
+              <a:rPr lang="en-US" i="1" dirty="0"/>
+              <a:t> </a:t>
+            </a:r>
+            <a:r>
+              <a:rPr lang="en-US" dirty="0"/>
+              <a:t>mode is nearly identical; it’s effectively a one-node </a:t>
+            </a:r>
+            <a:r>
+              <a:rPr lang="en-US" dirty="0" smtClean="0"/>
+              <a:t>cluster.</a:t>
+            </a:r>
+          </a:p>
+          <a:p>
+            <a:pPr lvl="1"/>
+            <a:r>
+              <a:rPr lang="en-US" dirty="0"/>
+              <a:t>One Hive property you might want to configure is the top-level directory for </a:t>
+            </a:r>
+            <a:r>
+              <a:rPr lang="en-US" dirty="0" smtClean="0"/>
+              <a:t>table storage</a:t>
+            </a:r>
+            <a:r>
+              <a:rPr lang="en-US" dirty="0"/>
+              <a:t>, which is specified by the property </a:t>
+            </a:r>
+            <a:r>
+              <a:rPr lang="en-US" dirty="0" err="1" smtClean="0"/>
+              <a:t>hive.metastore.warehouse.dir</a:t>
+            </a:r>
+            <a:r>
+              <a:rPr lang="en-US" dirty="0" smtClean="0"/>
+              <a:t>, </a:t>
+            </a:r>
+            <a:r>
+              <a:rPr lang="en-US" dirty="0"/>
+              <a:t>The default value for this property is /user/hive/warehouse in the Apache Hadoop </a:t>
+            </a:r>
+            <a:r>
+              <a:rPr lang="en-US" dirty="0" smtClean="0"/>
+              <a:t>and </a:t>
+            </a:r>
+            <a:r>
+              <a:rPr lang="en-US" dirty="0" err="1" smtClean="0"/>
+              <a:t>MapR</a:t>
+            </a:r>
+            <a:r>
+              <a:rPr lang="en-US" dirty="0" smtClean="0"/>
+              <a:t> distributions</a:t>
+            </a:r>
+          </a:p>
+          <a:p>
+            <a:pPr lvl="1"/>
+            <a:r>
+              <a:rPr lang="en-US" dirty="0"/>
+              <a:t>Specifying a different value here allows each user to define their own warehouse </a:t>
+            </a:r>
+            <a:r>
+              <a:rPr lang="en-US" dirty="0" err="1" smtClean="0"/>
+              <a:t>directory,so</a:t>
+            </a:r>
+            <a:r>
+              <a:rPr lang="en-US" dirty="0" smtClean="0"/>
+              <a:t> </a:t>
+            </a:r>
+            <a:r>
+              <a:rPr lang="en-US" dirty="0"/>
+              <a:t>they don’t affect other system users. Hence, each user might use the </a:t>
+            </a:r>
+            <a:r>
+              <a:rPr lang="en-US" dirty="0" smtClean="0"/>
+              <a:t>following statement </a:t>
+            </a:r>
+            <a:r>
+              <a:rPr lang="en-US" dirty="0"/>
+              <a:t>to define their own warehouse directory</a:t>
+            </a:r>
+            <a:r>
+              <a:rPr lang="en-US" dirty="0" smtClean="0"/>
+              <a:t>: </a:t>
+            </a:r>
+            <a:endParaRPr lang="en-US" dirty="0"/>
+          </a:p>
+          <a:p>
+            <a:pPr lvl="1"/>
+            <a:r>
+              <a:rPr lang="en-US" b="1" dirty="0"/>
+              <a:t>set </a:t>
+            </a:r>
+            <a:r>
+              <a:rPr lang="en-US" dirty="0" err="1"/>
+              <a:t>hive.metastore.warehouse.dir</a:t>
+            </a:r>
+            <a:r>
+              <a:rPr lang="en-US" dirty="0"/>
+              <a:t>=/</a:t>
+            </a:r>
+            <a:r>
+              <a:rPr lang="en-US" b="1" dirty="0"/>
+              <a:t>user</a:t>
+            </a:r>
+            <a:r>
+              <a:rPr lang="en-US" dirty="0"/>
+              <a:t>/</a:t>
+            </a:r>
+            <a:r>
+              <a:rPr lang="en-US" dirty="0" err="1"/>
+              <a:t>myname</a:t>
+            </a:r>
+            <a:r>
+              <a:rPr lang="en-US" dirty="0"/>
+              <a:t>/hive/warehouse</a:t>
+            </a:r>
+            <a:r>
+              <a:rPr lang="en-US" dirty="0" smtClean="0"/>
+              <a:t>;</a:t>
+            </a:r>
+          </a:p>
+          <a:p>
+            <a:pPr lvl="1"/>
+            <a:r>
+              <a:rPr lang="en-US" dirty="0"/>
+              <a:t>It’s tedious to type this each time you start the Hive CLI or to remember to add it </a:t>
+            </a:r>
+            <a:r>
+              <a:rPr lang="en-US" dirty="0" smtClean="0"/>
+              <a:t>to every </a:t>
+            </a:r>
+            <a:r>
+              <a:rPr lang="en-US" dirty="0"/>
+              <a:t>Hive script</a:t>
+            </a:r>
+            <a:r>
+              <a:rPr lang="en-US" dirty="0" smtClean="0"/>
+              <a:t>. it’s </a:t>
+            </a:r>
+            <a:r>
+              <a:rPr lang="en-US" dirty="0"/>
+              <a:t>best to put commands like this in the </a:t>
+            </a:r>
+            <a:r>
+              <a:rPr lang="en-US" i="1" dirty="0"/>
+              <a:t>$HOME/.</a:t>
+            </a:r>
+            <a:r>
+              <a:rPr lang="en-US" i="1" dirty="0" err="1"/>
+              <a:t>hiverc</a:t>
+            </a:r>
+            <a:r>
+              <a:rPr lang="en-US" i="1" dirty="0"/>
+              <a:t> </a:t>
+            </a:r>
+            <a:r>
+              <a:rPr lang="en-US" dirty="0"/>
+              <a:t>file, which will be </a:t>
+            </a:r>
+            <a:r>
+              <a:rPr lang="en-US" dirty="0" smtClean="0"/>
+              <a:t>processed when </a:t>
+            </a:r>
+            <a:r>
+              <a:rPr lang="en-US" dirty="0"/>
+              <a:t>Hive starts.</a:t>
+            </a:r>
+            <a:endParaRPr lang="en-US" dirty="0"/>
+          </a:p>
+        </p:txBody>
+      </p:sp>
+    </p:spTree>
+    <p:extLst>
+      <p:ext uri="{BB962C8B-B14F-4D97-AF65-F5344CB8AC3E}">
+        <p14:creationId xmlns:p14="http://schemas.microsoft.com/office/powerpoint/2010/main" val="3969963120"/>
+      </p:ext>
+    </p:extLst>
+  </p:cSld>
+  <p:clrMapOvr>
+    <a:masterClrMapping/>
+  </p:clrMapOvr>
+  <p:timing>
+    <p:tnLst>
+      <p:par>
+        <p:cTn id="1" dur="indefinite" restart="never" nodeType="tmRoot"/>
+      </p:par>
+    </p:tnLst>
+  </p:timing>
+</p:sld>
+</file>
+
+<file path=ppt/slides/slide9.xml><?xml version="1.0" encoding="utf-8"?>
+<p:sld xmlns:a="http://schemas.openxmlformats.org/drawingml/2006/main" xmlns:r="http://schemas.openxmlformats.org/officeDocument/2006/relationships" xmlns:p="http://schemas.openxmlformats.org/presentationml/2006/main">
+  <p:cSld>
+    <p:spTree>
+      <p:nvGrpSpPr>
+        <p:cNvPr id="1" name=""/>
+        <p:cNvGrpSpPr/>
+        <p:nvPr/>
+      </p:nvGrpSpPr>
+      <p:grpSpPr>
+        <a:xfrm>
+          <a:off x="0" y="0"/>
+          <a:ext cx="0" cy="0"/>
+          <a:chOff x="0" y="0"/>
+          <a:chExt cx="0" cy="0"/>
+        </a:xfrm>
+      </p:grpSpPr>
+      <p:sp>
+        <p:nvSpPr>
+          <p:cNvPr id="2" name="Title 1"/>
+          <p:cNvSpPr>
+            <a:spLocks noGrp="1"/>
+          </p:cNvSpPr>
+          <p:nvPr>
+            <p:ph type="title"/>
+          </p:nvPr>
+        </p:nvSpPr>
+        <p:spPr>
+          <a:xfrm>
+            <a:off x="0" y="1"/>
+            <a:ext cx="12192000" cy="791570"/>
+          </a:xfrm>
+        </p:spPr>
+        <p:txBody>
+          <a:bodyPr>
+            <a:normAutofit/>
+          </a:bodyPr>
+          <a:lstStyle/>
+          <a:p>
+            <a:r>
+              <a:rPr lang="en-US" dirty="0" err="1"/>
+              <a:t>Metastore</a:t>
+            </a:r>
+            <a:r>
+              <a:rPr lang="en-US" dirty="0"/>
+              <a:t> Using JDBC</a:t>
+            </a:r>
+            <a:endParaRPr lang="en-US" dirty="0"/>
+          </a:p>
+        </p:txBody>
+      </p:sp>
+      <p:sp>
+        <p:nvSpPr>
+          <p:cNvPr id="3" name="Content Placeholder 2"/>
+          <p:cNvSpPr>
+            <a:spLocks noGrp="1"/>
+          </p:cNvSpPr>
+          <p:nvPr>
+            <p:ph idx="1"/>
+          </p:nvPr>
+        </p:nvSpPr>
+        <p:spPr>
+          <a:xfrm>
+            <a:off x="457200" y="791570"/>
+            <a:ext cx="11734800" cy="6066430"/>
+          </a:xfrm>
+        </p:spPr>
+        <p:txBody>
+          <a:bodyPr>
+            <a:normAutofit/>
+          </a:bodyPr>
+          <a:lstStyle/>
+          <a:p>
+            <a:r>
+              <a:rPr lang="en-US" dirty="0"/>
+              <a:t>Hive requires only one extra component that Hadoop does not already have; </a:t>
+            </a:r>
+            <a:r>
+              <a:rPr lang="en-US" dirty="0" smtClean="0"/>
+              <a:t>the </a:t>
+            </a:r>
+            <a:r>
+              <a:rPr lang="en-US" i="1" dirty="0" err="1" smtClean="0"/>
+              <a:t>metastore</a:t>
+            </a:r>
+            <a:r>
+              <a:rPr lang="en-US" i="1" dirty="0" smtClean="0"/>
+              <a:t> </a:t>
+            </a:r>
+            <a:r>
+              <a:rPr lang="en-US" dirty="0"/>
+              <a:t>component</a:t>
+            </a:r>
+            <a:r>
+              <a:rPr lang="en-US" dirty="0" smtClean="0"/>
+              <a:t>.</a:t>
+            </a:r>
+          </a:p>
+          <a:p>
+            <a:r>
+              <a:rPr lang="en-US" dirty="0"/>
+              <a:t>The </a:t>
+            </a:r>
+            <a:r>
+              <a:rPr lang="en-US" dirty="0" err="1"/>
+              <a:t>metastore</a:t>
+            </a:r>
+            <a:r>
+              <a:rPr lang="en-US" dirty="0"/>
+              <a:t> stores metadata such as table schema and partition</a:t>
+            </a:r>
+          </a:p>
+          <a:p>
+            <a:r>
+              <a:rPr lang="en-US" dirty="0"/>
+              <a:t>information that you specify when you run commands such as create </a:t>
+            </a:r>
+            <a:r>
+              <a:rPr lang="en-US" dirty="0" smtClean="0"/>
+              <a:t>table x</a:t>
+            </a:r>
+            <a:r>
+              <a:rPr lang="en-US" dirty="0"/>
+              <a:t>..., or alter table y..., etc. Because multiple users and systems are likely to </a:t>
+            </a:r>
+            <a:r>
+              <a:rPr lang="en-US" dirty="0" smtClean="0"/>
+              <a:t>need concurrent </a:t>
+            </a:r>
+            <a:r>
+              <a:rPr lang="en-US" dirty="0"/>
+              <a:t>access to the </a:t>
+            </a:r>
+            <a:r>
+              <a:rPr lang="en-US" dirty="0" err="1"/>
+              <a:t>metastore</a:t>
+            </a:r>
+            <a:r>
+              <a:rPr lang="en-US" dirty="0"/>
+              <a:t>, the default embedded database is not suitable </a:t>
+            </a:r>
+            <a:r>
+              <a:rPr lang="en-US" dirty="0" smtClean="0"/>
+              <a:t>for production.</a:t>
+            </a:r>
+          </a:p>
+          <a:p>
+            <a:r>
+              <a:rPr lang="en-US" dirty="0"/>
+              <a:t>Any JDBC-compliant database can be used for the </a:t>
+            </a:r>
+            <a:r>
+              <a:rPr lang="en-US" dirty="0" err="1"/>
+              <a:t>metastore</a:t>
+            </a:r>
+            <a:r>
+              <a:rPr lang="en-US" dirty="0"/>
+              <a:t>. In practice, most </a:t>
+            </a:r>
+            <a:r>
+              <a:rPr lang="en-US" dirty="0" smtClean="0"/>
+              <a:t>installations of </a:t>
+            </a:r>
+            <a:r>
+              <a:rPr lang="en-US" dirty="0"/>
+              <a:t>Hive use MySQL</a:t>
+            </a:r>
+            <a:r>
+              <a:rPr lang="en-US" dirty="0" smtClean="0"/>
+              <a:t>.</a:t>
+            </a:r>
+          </a:p>
+          <a:p>
+            <a:pPr lvl="1"/>
+            <a:r>
+              <a:rPr lang="en-US" dirty="0" smtClean="0"/>
+              <a:t>NOTE : The </a:t>
+            </a:r>
+            <a:r>
+              <a:rPr lang="en-US" dirty="0"/>
+              <a:t>information required for table schema, partition information, etc</a:t>
+            </a:r>
+            <a:r>
+              <a:rPr lang="en-US" dirty="0" smtClean="0"/>
+              <a:t>., is </a:t>
+            </a:r>
+            <a:r>
+              <a:rPr lang="en-US" dirty="0"/>
+              <a:t>small, typically much smaller than the large quantity of data stored </a:t>
+            </a:r>
+            <a:r>
+              <a:rPr lang="en-US" dirty="0" smtClean="0"/>
+              <a:t>in Hive</a:t>
+            </a:r>
+            <a:r>
+              <a:rPr lang="en-US" dirty="0"/>
+              <a:t>. As a result, you typically don’t need a powerful dedicated </a:t>
+            </a:r>
+            <a:r>
+              <a:rPr lang="en-US" dirty="0" smtClean="0"/>
+              <a:t>database server </a:t>
+            </a:r>
+            <a:r>
+              <a:rPr lang="en-US" dirty="0"/>
+              <a:t>for the </a:t>
+            </a:r>
+            <a:r>
+              <a:rPr lang="en-US" dirty="0" err="1"/>
+              <a:t>metastore</a:t>
+            </a:r>
+            <a:r>
+              <a:rPr lang="en-US" dirty="0"/>
+              <a:t>. However because it represents a Single </a:t>
+            </a:r>
+            <a:r>
+              <a:rPr lang="en-US" dirty="0" smtClean="0"/>
+              <a:t>Point of </a:t>
+            </a:r>
+            <a:r>
+              <a:rPr lang="en-US" dirty="0"/>
+              <a:t>Failure (SPOF), it is strongly recommended that you replicate </a:t>
+            </a:r>
+            <a:r>
+              <a:rPr lang="en-US" dirty="0" smtClean="0"/>
+              <a:t>and back </a:t>
+            </a:r>
+            <a:r>
+              <a:rPr lang="en-US" dirty="0"/>
+              <a:t>up this database using the standard techniques you would </a:t>
+            </a:r>
+            <a:r>
+              <a:rPr lang="en-US" dirty="0" smtClean="0"/>
+              <a:t>normally use </a:t>
+            </a:r>
+            <a:r>
+              <a:rPr lang="en-US" dirty="0"/>
+              <a:t>with other relational database instances.</a:t>
+            </a:r>
+            <a:endParaRPr lang="en-US" dirty="0"/>
+          </a:p>
+        </p:txBody>
+      </p:sp>
+    </p:spTree>
+    <p:extLst>
+      <p:ext uri="{BB962C8B-B14F-4D97-AF65-F5344CB8AC3E}">
+        <p14:creationId xmlns:p14="http://schemas.microsoft.com/office/powerpoint/2010/main" val="4199715247"/>
+      </p:ext>
+    </p:extLst>
+  </p:cSld>
+  <p:clrMapOvr>
+    <a:masterClrMapping/>
+  </p:clrMapOvr>
+  <p:timing>
+    <p:tnLst>
+      <p:par>
+        <p:cTn id="1" dur="indefinite" restart="never" nodeType="tmRoot"/>
+      </p:par>
+    </p:tnLst>
+  </p:timing>
+</p:sld>
+</file>
+
 <file path=ppt/theme/theme1.xml><?xml version="1.0" encoding="utf-8"?>
 <a:theme xmlns:a="http://schemas.openxmlformats.org/drawingml/2006/main" name="Office Theme">
   <a:themeElements>
